--- a/认证与授权.pptx
+++ b/认证与授权.pptx
@@ -22,11 +22,10 @@
     <p:sldId id="297" r:id="rId16"/>
     <p:sldId id="298" r:id="rId17"/>
     <p:sldId id="302" r:id="rId18"/>
-    <p:sldId id="299" r:id="rId19"/>
-    <p:sldId id="303" r:id="rId20"/>
-    <p:sldId id="304" r:id="rId21"/>
-    <p:sldId id="305" r:id="rId22"/>
-    <p:sldId id="280" r:id="rId23"/>
+    <p:sldId id="303" r:id="rId19"/>
+    <p:sldId id="304" r:id="rId20"/>
+    <p:sldId id="305" r:id="rId21"/>
+    <p:sldId id="280" r:id="rId22"/>
   </p:sldIdLst>
   <p:sldSz cx="12192000" cy="6858000"/>
   <p:notesSz cx="6858000" cy="9144000"/>
@@ -2125,7 +2124,7 @@
             </a:r>
             <a:r>
               <a:rPr lang="zh-CN" altLang="en-US" smtClean="0"/>
-              <a:t>服务器；</a:t>
+              <a:t>服务器</a:t>
             </a:r>
             <a:endParaRPr lang="en-US" altLang="zh-CN" smtClean="0"/>
           </a:p>
@@ -2147,7 +2146,11 @@
             </a:r>
             <a:r>
               <a:rPr lang="zh-CN" altLang="en-US" smtClean="0"/>
-              <a:t>资源服务器。</a:t>
+              <a:t>资源</a:t>
+            </a:r>
+            <a:r>
+              <a:rPr lang="zh-CN" altLang="en-US" smtClean="0"/>
+              <a:t>服务器</a:t>
             </a:r>
             <a:endParaRPr lang="zh-CN" altLang="en-US"/>
           </a:p>
@@ -2854,7 +2857,7 @@
         </p:nvSpPr>
         <p:spPr>
           <a:xfrm>
-            <a:off x="7630581" y="4772580"/>
+            <a:off x="7244059" y="4527652"/>
             <a:ext cx="3067891" cy="523220"/>
           </a:xfrm>
           <a:prstGeom prst="rect">
@@ -4948,9 +4951,51 @@
           </a:p>
         </p:txBody>
       </p:sp>
+      <p:sp>
+        <p:nvSpPr>
+          <p:cNvPr id="8" name="文本框 7"/>
+          <p:cNvSpPr txBox="1"/>
+          <p:nvPr/>
+        </p:nvSpPr>
+        <p:spPr>
+          <a:xfrm>
+            <a:off x="1953682" y="1096312"/>
+            <a:ext cx="5016307" cy="400110"/>
+          </a:xfrm>
+          <a:prstGeom prst="rect">
+            <a:avLst/>
+          </a:prstGeom>
+          <a:noFill/>
+        </p:spPr>
+        <p:txBody>
+          <a:bodyPr wrap="square" rtlCol="0">
+            <a:spAutoFit/>
+          </a:bodyPr>
+          <a:lstStyle/>
+          <a:p>
+            <a:r>
+              <a:rPr lang="zh-CN" altLang="en-US" sz="2000"/>
+              <a:t>添加 </a:t>
+            </a:r>
+            <a:r>
+              <a:rPr lang="en-US" altLang="zh-CN" sz="2000"/>
+              <a:t>Web </a:t>
+            </a:r>
+            <a:r>
+              <a:rPr lang="zh-CN" altLang="en-US" sz="2000"/>
+              <a:t>接口级别的权限</a:t>
+            </a:r>
+            <a:r>
+              <a:rPr lang="zh-CN" altLang="en-US" sz="2000" smtClean="0"/>
+              <a:t>控制</a:t>
+            </a:r>
+            <a:endParaRPr lang="en-US" altLang="zh-CN" sz="2000" smtClean="0"/>
+          </a:p>
+        </p:txBody>
+      </p:sp>
       <p:pic>
         <p:nvPicPr>
-          <p:cNvPr id="2" name="图片 1"/>
+          <p:cNvPr id="4" name="图片 3"/>
           <p:cNvPicPr>
             <a:picLocks noChangeAspect="1"/>
           </p:cNvPicPr>
@@ -4964,32 +5009,8 @@
         </p:blipFill>
         <p:spPr>
           <a:xfrm>
-            <a:off x="1783216" y="1118507"/>
-            <a:ext cx="3629025" cy="4343400"/>
-          </a:xfrm>
-          <a:prstGeom prst="rect">
-            <a:avLst/>
-          </a:prstGeom>
-        </p:spPr>
-      </p:pic>
-      <p:pic>
-        <p:nvPicPr>
-          <p:cNvPr id="3" name="图片 2"/>
-          <p:cNvPicPr>
-            <a:picLocks noChangeAspect="1"/>
-          </p:cNvPicPr>
-          <p:nvPr/>
-        </p:nvPicPr>
-        <p:blipFill>
-          <a:blip r:embed="rId3"/>
-          <a:stretch>
-            <a:fillRect/>
-          </a:stretch>
-        </p:blipFill>
-        <p:spPr>
-          <a:xfrm>
-            <a:off x="5502049" y="3290207"/>
-            <a:ext cx="5000625" cy="1514475"/>
+            <a:off x="1775052" y="1681843"/>
+            <a:ext cx="9115425" cy="3314700"/>
           </a:xfrm>
           <a:prstGeom prst="rect">
             <a:avLst/>
@@ -4999,7 +5020,7 @@
     </p:spTree>
     <p:extLst>
       <p:ext uri="{BB962C8B-B14F-4D97-AF65-F5344CB8AC3E}">
-        <p14:creationId xmlns:p14="http://schemas.microsoft.com/office/powerpoint/2010/main" val="694838316"/>
+        <p14:creationId xmlns:p14="http://schemas.microsoft.com/office/powerpoint/2010/main" val="3567271307"/>
       </p:ext>
     </p:extLst>
   </p:cSld>
@@ -5186,7 +5207,7 @@
         <p:spPr>
           <a:xfrm>
             <a:off x="1953682" y="1096312"/>
-            <a:ext cx="5016307" cy="400110"/>
+            <a:ext cx="7092347" cy="400110"/>
           </a:xfrm>
           <a:prstGeom prst="rect">
             <a:avLst/>
@@ -5200,53 +5221,206 @@
           <a:lstStyle/>
           <a:p>
             <a:r>
+              <a:rPr lang="en-US" altLang="zh-CN" sz="2000"/>
+              <a:t>Spring Security </a:t>
+            </a:r>
+            <a:r>
               <a:rPr lang="zh-CN" altLang="en-US" sz="2000"/>
-              <a:t>添加 </a:t>
-            </a:r>
-            <a:r>
-              <a:rPr lang="en-US" altLang="zh-CN" sz="2000"/>
-              <a:t>Web </a:t>
-            </a:r>
-            <a:r>
-              <a:rPr lang="zh-CN" altLang="en-US" sz="2000"/>
-              <a:t>接口级别的权限</a:t>
-            </a:r>
-            <a:r>
-              <a:rPr lang="zh-CN" altLang="en-US" sz="2000" smtClean="0"/>
-              <a:t>控制</a:t>
+              <a:t>提供了四种制定权限访问的接口</a:t>
             </a:r>
             <a:endParaRPr lang="en-US" altLang="zh-CN" sz="2000" smtClean="0"/>
           </a:p>
         </p:txBody>
       </p:sp>
-      <p:pic>
-        <p:nvPicPr>
-          <p:cNvPr id="4" name="图片 3"/>
-          <p:cNvPicPr>
-            <a:picLocks noChangeAspect="1"/>
-          </p:cNvPicPr>
-          <p:nvPr/>
-        </p:nvPicPr>
-        <p:blipFill>
-          <a:blip r:embed="rId2"/>
-          <a:stretch>
-            <a:fillRect/>
-          </a:stretch>
-        </p:blipFill>
-        <p:spPr>
-          <a:xfrm>
-            <a:off x="1775052" y="1681843"/>
-            <a:ext cx="9115425" cy="3314700"/>
+      <p:sp>
+        <p:nvSpPr>
+          <p:cNvPr id="2" name="矩形 1"/>
+          <p:cNvSpPr/>
+          <p:nvPr/>
+        </p:nvSpPr>
+        <p:spPr>
+          <a:xfrm>
+            <a:off x="1953682" y="1752032"/>
+            <a:ext cx="7320947" cy="2308324"/>
           </a:xfrm>
           <a:prstGeom prst="rect">
             <a:avLst/>
           </a:prstGeom>
         </p:spPr>
-      </p:pic>
+        <p:txBody>
+          <a:bodyPr wrap="square">
+            <a:spAutoFit/>
+          </a:bodyPr>
+          <a:lstStyle/>
+          <a:p>
+            <a:pPr algn="just"/>
+            <a:r>
+              <a:rPr lang="en-US" altLang="zh-CN">
+                <a:solidFill>
+                  <a:srgbClr val="3F3F3F"/>
+                </a:solidFill>
+                <a:latin typeface="PingFang SC"/>
+              </a:rPr>
+              <a:t>hasRole(String role) </a:t>
+            </a:r>
+            <a:r>
+              <a:rPr lang="zh-CN" altLang="en-US">
+                <a:solidFill>
+                  <a:srgbClr val="3F3F3F"/>
+                </a:solidFill>
+                <a:latin typeface="PingFang SC"/>
+              </a:rPr>
+              <a:t>表示具备某种角色才可访问</a:t>
+            </a:r>
+            <a:r>
+              <a:rPr lang="zh-CN" altLang="en-US" smtClean="0">
+                <a:solidFill>
+                  <a:srgbClr val="3F3F3F"/>
+                </a:solidFill>
+                <a:latin typeface="PingFang SC"/>
+              </a:rPr>
+              <a:t>；</a:t>
+            </a:r>
+            <a:endParaRPr lang="en-US" altLang="zh-CN" smtClean="0">
+              <a:solidFill>
+                <a:srgbClr val="3F3F3F"/>
+              </a:solidFill>
+              <a:latin typeface="PingFang SC"/>
+            </a:endParaRPr>
+          </a:p>
+          <a:p>
+            <a:pPr algn="just"/>
+            <a:endParaRPr lang="zh-CN" altLang="en-US">
+              <a:solidFill>
+                <a:srgbClr val="3F3F3F"/>
+              </a:solidFill>
+              <a:latin typeface="PingFang SC"/>
+            </a:endParaRPr>
+          </a:p>
+          <a:p>
+            <a:pPr algn="just"/>
+            <a:r>
+              <a:rPr lang="en-US" altLang="zh-CN">
+                <a:solidFill>
+                  <a:srgbClr val="3F3F3F"/>
+                </a:solidFill>
+                <a:latin typeface="PingFang SC"/>
+              </a:rPr>
+              <a:t>hasAnyRole(String ...roles) </a:t>
+            </a:r>
+            <a:r>
+              <a:rPr lang="zh-CN" altLang="en-US">
+                <a:solidFill>
+                  <a:srgbClr val="3F3F3F"/>
+                </a:solidFill>
+                <a:latin typeface="PingFang SC"/>
+              </a:rPr>
+              <a:t>表示具备其中任意角色即可</a:t>
+            </a:r>
+            <a:r>
+              <a:rPr lang="zh-CN" altLang="en-US" smtClean="0">
+                <a:solidFill>
+                  <a:srgbClr val="3F3F3F"/>
+                </a:solidFill>
+                <a:latin typeface="PingFang SC"/>
+              </a:rPr>
+              <a:t>访问；</a:t>
+            </a:r>
+            <a:endParaRPr lang="en-US" altLang="zh-CN" smtClean="0">
+              <a:solidFill>
+                <a:srgbClr val="3F3F3F"/>
+              </a:solidFill>
+              <a:latin typeface="PingFang SC"/>
+            </a:endParaRPr>
+          </a:p>
+          <a:p>
+            <a:pPr algn="just"/>
+            <a:endParaRPr lang="zh-CN" altLang="en-US">
+              <a:solidFill>
+                <a:srgbClr val="3F3F3F"/>
+              </a:solidFill>
+              <a:latin typeface="PingFang SC"/>
+            </a:endParaRPr>
+          </a:p>
+          <a:p>
+            <a:pPr algn="just"/>
+            <a:r>
+              <a:rPr lang="en-US" altLang="zh-CN">
+                <a:solidFill>
+                  <a:srgbClr val="3F3F3F"/>
+                </a:solidFill>
+                <a:latin typeface="PingFang SC"/>
+              </a:rPr>
+              <a:t>hasAuthority(String authority) </a:t>
+            </a:r>
+            <a:r>
+              <a:rPr lang="zh-CN" altLang="en-US">
+                <a:solidFill>
+                  <a:srgbClr val="3F3F3F"/>
+                </a:solidFill>
+                <a:latin typeface="PingFang SC"/>
+              </a:rPr>
+              <a:t>表示具备某种权限才可访问</a:t>
+            </a:r>
+            <a:r>
+              <a:rPr lang="zh-CN" altLang="en-US" smtClean="0">
+                <a:solidFill>
+                  <a:srgbClr val="3F3F3F"/>
+                </a:solidFill>
+                <a:latin typeface="PingFang SC"/>
+              </a:rPr>
+              <a:t>；</a:t>
+            </a:r>
+            <a:endParaRPr lang="en-US" altLang="zh-CN" smtClean="0">
+              <a:solidFill>
+                <a:srgbClr val="3F3F3F"/>
+              </a:solidFill>
+              <a:latin typeface="PingFang SC"/>
+            </a:endParaRPr>
+          </a:p>
+          <a:p>
+            <a:pPr algn="just"/>
+            <a:endParaRPr lang="zh-CN" altLang="en-US">
+              <a:solidFill>
+                <a:srgbClr val="3F3F3F"/>
+              </a:solidFill>
+              <a:latin typeface="PingFang SC"/>
+            </a:endParaRPr>
+          </a:p>
+          <a:p>
+            <a:pPr algn="just"/>
+            <a:r>
+              <a:rPr lang="en-US" altLang="zh-CN">
+                <a:solidFill>
+                  <a:srgbClr val="3F3F3F"/>
+                </a:solidFill>
+                <a:latin typeface="PingFang SC"/>
+              </a:rPr>
+              <a:t>hasAnyAuthority(String ...authorities) </a:t>
+            </a:r>
+            <a:r>
+              <a:rPr lang="zh-CN" altLang="en-US">
+                <a:solidFill>
+                  <a:srgbClr val="3F3F3F"/>
+                </a:solidFill>
+                <a:latin typeface="PingFang SC"/>
+              </a:rPr>
+              <a:t>表示具备其中任意权限即可访问。</a:t>
+            </a:r>
+            <a:endParaRPr lang="zh-CN" altLang="en-US" b="0" i="0">
+              <a:solidFill>
+                <a:srgbClr val="3F3F3F"/>
+              </a:solidFill>
+              <a:effectLst/>
+              <a:latin typeface="PingFang SC"/>
+            </a:endParaRPr>
+          </a:p>
+        </p:txBody>
+      </p:sp>
     </p:spTree>
     <p:extLst>
       <p:ext uri="{BB962C8B-B14F-4D97-AF65-F5344CB8AC3E}">
-        <p14:creationId xmlns:p14="http://schemas.microsoft.com/office/powerpoint/2010/main" val="3567271307"/>
+        <p14:creationId xmlns:p14="http://schemas.microsoft.com/office/powerpoint/2010/main" val="1858828684"/>
       </p:ext>
     </p:extLst>
   </p:cSld>
@@ -6173,406 +6347,6 @@
           </a:p>
         </p:txBody>
       </p:sp>
-      <p:sp>
-        <p:nvSpPr>
-          <p:cNvPr id="8" name="文本框 7"/>
-          <p:cNvSpPr txBox="1"/>
-          <p:nvPr/>
-        </p:nvSpPr>
-        <p:spPr>
-          <a:xfrm>
-            <a:off x="1953682" y="1096312"/>
-            <a:ext cx="7092347" cy="400110"/>
-          </a:xfrm>
-          <a:prstGeom prst="rect">
-            <a:avLst/>
-          </a:prstGeom>
-          <a:noFill/>
-        </p:spPr>
-        <p:txBody>
-          <a:bodyPr wrap="square" rtlCol="0">
-            <a:spAutoFit/>
-          </a:bodyPr>
-          <a:lstStyle/>
-          <a:p>
-            <a:r>
-              <a:rPr lang="en-US" altLang="zh-CN" sz="2000"/>
-              <a:t>Spring Security </a:t>
-            </a:r>
-            <a:r>
-              <a:rPr lang="zh-CN" altLang="en-US" sz="2000"/>
-              <a:t>提供了四种制定权限访问的接口</a:t>
-            </a:r>
-            <a:endParaRPr lang="en-US" altLang="zh-CN" sz="2000" smtClean="0"/>
-          </a:p>
-        </p:txBody>
-      </p:sp>
-      <p:sp>
-        <p:nvSpPr>
-          <p:cNvPr id="2" name="矩形 1"/>
-          <p:cNvSpPr/>
-          <p:nvPr/>
-        </p:nvSpPr>
-        <p:spPr>
-          <a:xfrm>
-            <a:off x="1953682" y="1752032"/>
-            <a:ext cx="7320947" cy="2308324"/>
-          </a:xfrm>
-          <a:prstGeom prst="rect">
-            <a:avLst/>
-          </a:prstGeom>
-        </p:spPr>
-        <p:txBody>
-          <a:bodyPr wrap="square">
-            <a:spAutoFit/>
-          </a:bodyPr>
-          <a:lstStyle/>
-          <a:p>
-            <a:pPr algn="just"/>
-            <a:r>
-              <a:rPr lang="en-US" altLang="zh-CN">
-                <a:solidFill>
-                  <a:srgbClr val="3F3F3F"/>
-                </a:solidFill>
-                <a:latin typeface="PingFang SC"/>
-              </a:rPr>
-              <a:t>hasRole(String role) </a:t>
-            </a:r>
-            <a:r>
-              <a:rPr lang="zh-CN" altLang="en-US">
-                <a:solidFill>
-                  <a:srgbClr val="3F3F3F"/>
-                </a:solidFill>
-                <a:latin typeface="PingFang SC"/>
-              </a:rPr>
-              <a:t>表示具备某种角色才可访问</a:t>
-            </a:r>
-            <a:r>
-              <a:rPr lang="zh-CN" altLang="en-US" smtClean="0">
-                <a:solidFill>
-                  <a:srgbClr val="3F3F3F"/>
-                </a:solidFill>
-                <a:latin typeface="PingFang SC"/>
-              </a:rPr>
-              <a:t>；</a:t>
-            </a:r>
-            <a:endParaRPr lang="en-US" altLang="zh-CN" smtClean="0">
-              <a:solidFill>
-                <a:srgbClr val="3F3F3F"/>
-              </a:solidFill>
-              <a:latin typeface="PingFang SC"/>
-            </a:endParaRPr>
-          </a:p>
-          <a:p>
-            <a:pPr algn="just"/>
-            <a:endParaRPr lang="zh-CN" altLang="en-US">
-              <a:solidFill>
-                <a:srgbClr val="3F3F3F"/>
-              </a:solidFill>
-              <a:latin typeface="PingFang SC"/>
-            </a:endParaRPr>
-          </a:p>
-          <a:p>
-            <a:pPr algn="just"/>
-            <a:r>
-              <a:rPr lang="en-US" altLang="zh-CN">
-                <a:solidFill>
-                  <a:srgbClr val="3F3F3F"/>
-                </a:solidFill>
-                <a:latin typeface="PingFang SC"/>
-              </a:rPr>
-              <a:t>hasAnyRole(String ...roles) </a:t>
-            </a:r>
-            <a:r>
-              <a:rPr lang="zh-CN" altLang="en-US">
-                <a:solidFill>
-                  <a:srgbClr val="3F3F3F"/>
-                </a:solidFill>
-                <a:latin typeface="PingFang SC"/>
-              </a:rPr>
-              <a:t>表示具备其中任意角色即可</a:t>
-            </a:r>
-            <a:r>
-              <a:rPr lang="zh-CN" altLang="en-US" smtClean="0">
-                <a:solidFill>
-                  <a:srgbClr val="3F3F3F"/>
-                </a:solidFill>
-                <a:latin typeface="PingFang SC"/>
-              </a:rPr>
-              <a:t>访问；</a:t>
-            </a:r>
-            <a:endParaRPr lang="en-US" altLang="zh-CN" smtClean="0">
-              <a:solidFill>
-                <a:srgbClr val="3F3F3F"/>
-              </a:solidFill>
-              <a:latin typeface="PingFang SC"/>
-            </a:endParaRPr>
-          </a:p>
-          <a:p>
-            <a:pPr algn="just"/>
-            <a:endParaRPr lang="zh-CN" altLang="en-US">
-              <a:solidFill>
-                <a:srgbClr val="3F3F3F"/>
-              </a:solidFill>
-              <a:latin typeface="PingFang SC"/>
-            </a:endParaRPr>
-          </a:p>
-          <a:p>
-            <a:pPr algn="just"/>
-            <a:r>
-              <a:rPr lang="en-US" altLang="zh-CN">
-                <a:solidFill>
-                  <a:srgbClr val="3F3F3F"/>
-                </a:solidFill>
-                <a:latin typeface="PingFang SC"/>
-              </a:rPr>
-              <a:t>hasAuthority(String authority) </a:t>
-            </a:r>
-            <a:r>
-              <a:rPr lang="zh-CN" altLang="en-US">
-                <a:solidFill>
-                  <a:srgbClr val="3F3F3F"/>
-                </a:solidFill>
-                <a:latin typeface="PingFang SC"/>
-              </a:rPr>
-              <a:t>表示具备某种权限才可访问</a:t>
-            </a:r>
-            <a:r>
-              <a:rPr lang="zh-CN" altLang="en-US" smtClean="0">
-                <a:solidFill>
-                  <a:srgbClr val="3F3F3F"/>
-                </a:solidFill>
-                <a:latin typeface="PingFang SC"/>
-              </a:rPr>
-              <a:t>；</a:t>
-            </a:r>
-            <a:endParaRPr lang="en-US" altLang="zh-CN" smtClean="0">
-              <a:solidFill>
-                <a:srgbClr val="3F3F3F"/>
-              </a:solidFill>
-              <a:latin typeface="PingFang SC"/>
-            </a:endParaRPr>
-          </a:p>
-          <a:p>
-            <a:pPr algn="just"/>
-            <a:endParaRPr lang="zh-CN" altLang="en-US">
-              <a:solidFill>
-                <a:srgbClr val="3F3F3F"/>
-              </a:solidFill>
-              <a:latin typeface="PingFang SC"/>
-            </a:endParaRPr>
-          </a:p>
-          <a:p>
-            <a:pPr algn="just"/>
-            <a:r>
-              <a:rPr lang="en-US" altLang="zh-CN">
-                <a:solidFill>
-                  <a:srgbClr val="3F3F3F"/>
-                </a:solidFill>
-                <a:latin typeface="PingFang SC"/>
-              </a:rPr>
-              <a:t>hasAnyAuthority(String ...authorities) </a:t>
-            </a:r>
-            <a:r>
-              <a:rPr lang="zh-CN" altLang="en-US">
-                <a:solidFill>
-                  <a:srgbClr val="3F3F3F"/>
-                </a:solidFill>
-                <a:latin typeface="PingFang SC"/>
-              </a:rPr>
-              <a:t>表示具备其中任意权限即可访问。</a:t>
-            </a:r>
-            <a:endParaRPr lang="zh-CN" altLang="en-US" b="0" i="0">
-              <a:solidFill>
-                <a:srgbClr val="3F3F3F"/>
-              </a:solidFill>
-              <a:effectLst/>
-              <a:latin typeface="PingFang SC"/>
-            </a:endParaRPr>
-          </a:p>
-        </p:txBody>
-      </p:sp>
-    </p:spTree>
-    <p:extLst>
-      <p:ext uri="{BB962C8B-B14F-4D97-AF65-F5344CB8AC3E}">
-        <p14:creationId xmlns:p14="http://schemas.microsoft.com/office/powerpoint/2010/main" val="1858828684"/>
-      </p:ext>
-    </p:extLst>
-  </p:cSld>
-  <p:clrMapOvr>
-    <a:masterClrMapping/>
-  </p:clrMapOvr>
-  <p:timing>
-    <p:tnLst>
-      <p:par>
-        <p:cTn id="1" dur="indefinite" restart="never" nodeType="tmRoot"/>
-      </p:par>
-    </p:tnLst>
-  </p:timing>
-</p:sld>
-</file>
-
-<file path=ppt/slides/slide21.xml><?xml version="1.0" encoding="utf-8"?>
-<p:sld xmlns:a="http://schemas.openxmlformats.org/drawingml/2006/main" xmlns:r="http://schemas.openxmlformats.org/officeDocument/2006/relationships" xmlns:p="http://schemas.openxmlformats.org/presentationml/2006/main">
-  <p:cSld>
-    <p:spTree>
-      <p:nvGrpSpPr>
-        <p:cNvPr id="1" name=""/>
-        <p:cNvGrpSpPr/>
-        <p:nvPr/>
-      </p:nvGrpSpPr>
-      <p:grpSpPr>
-        <a:xfrm>
-          <a:off x="0" y="0"/>
-          <a:ext cx="0" cy="0"/>
-          <a:chOff x="0" y="0"/>
-          <a:chExt cx="0" cy="0"/>
-        </a:xfrm>
-      </p:grpSpPr>
-      <p:sp>
-        <p:nvSpPr>
-          <p:cNvPr id="15" name="矩形 14"/>
-          <p:cNvSpPr/>
-          <p:nvPr/>
-        </p:nvSpPr>
-        <p:spPr>
-          <a:xfrm>
-            <a:off x="293346" y="278703"/>
-            <a:ext cx="1766190" cy="400110"/>
-          </a:xfrm>
-          <a:prstGeom prst="rect">
-            <a:avLst/>
-          </a:prstGeom>
-        </p:spPr>
-        <p:txBody>
-          <a:bodyPr wrap="square" anchor="ctr">
-            <a:spAutoFit/>
-          </a:bodyPr>
-          <a:lstStyle/>
-          <a:p>
-            <a:pPr marL="0" marR="0" lvl="0" indent="0" algn="ctr" defTabSz="914400" eaLnBrk="1" fontAlgn="auto" latinLnBrk="0" hangingPunct="1">
-              <a:lnSpc>
-                <a:spcPct val="100000"/>
-              </a:lnSpc>
-              <a:spcBef>
-                <a:spcPts val="0"/>
-              </a:spcBef>
-              <a:spcAft>
-                <a:spcPts val="0"/>
-              </a:spcAft>
-              <a:buClrTx/>
-              <a:buSzTx/>
-              <a:buFontTx/>
-              <a:buNone/>
-              <a:tabLst/>
-              <a:defRPr/>
-            </a:pPr>
-            <a:r>
-              <a:rPr lang="zh-CN" altLang="en-US" sz="2000" b="1" kern="0">
-                <a:latin typeface="微软雅黑" panose="020B0503020204020204" pitchFamily="34" charset="-122"/>
-                <a:ea typeface="微软雅黑" panose="020B0503020204020204" pitchFamily="34" charset="-122"/>
-                <a:cs typeface="微软雅黑"/>
-              </a:rPr>
-              <a:t>授权</a:t>
-            </a:r>
-            <a:endParaRPr lang="en-US" altLang="zh-CN" sz="2000" b="1" kern="0" smtClean="0">
-              <a:latin typeface="微软雅黑" panose="020B0503020204020204" pitchFamily="34" charset="-122"/>
-              <a:ea typeface="微软雅黑" panose="020B0503020204020204" pitchFamily="34" charset="-122"/>
-              <a:cs typeface="微软雅黑"/>
-            </a:endParaRPr>
-          </a:p>
-        </p:txBody>
-      </p:sp>
-      <p:cxnSp>
-        <p:nvCxnSpPr>
-          <p:cNvPr id="12" name="直接连接符 11"/>
-          <p:cNvCxnSpPr/>
-          <p:nvPr/>
-        </p:nvCxnSpPr>
-        <p:spPr>
-          <a:xfrm>
-            <a:off x="2093798" y="491927"/>
-            <a:ext cx="8135518" cy="3729"/>
-          </a:xfrm>
-          <a:prstGeom prst="line">
-            <a:avLst/>
-          </a:prstGeom>
-          <a:ln>
-            <a:solidFill>
-              <a:schemeClr val="tx1"/>
-            </a:solidFill>
-          </a:ln>
-        </p:spPr>
-        <p:style>
-          <a:lnRef idx="1">
-            <a:schemeClr val="accent1"/>
-          </a:lnRef>
-          <a:fillRef idx="0">
-            <a:schemeClr val="accent1"/>
-          </a:fillRef>
-          <a:effectRef idx="0">
-            <a:schemeClr val="accent1"/>
-          </a:effectRef>
-          <a:fontRef idx="minor">
-            <a:schemeClr val="tx1"/>
-          </a:fontRef>
-        </p:style>
-      </p:cxnSp>
-      <p:sp>
-        <p:nvSpPr>
-          <p:cNvPr id="18" name="矩形 17"/>
-          <p:cNvSpPr/>
-          <p:nvPr/>
-        </p:nvSpPr>
-        <p:spPr>
-          <a:xfrm>
-            <a:off x="1463028" y="1561676"/>
-            <a:ext cx="49426" cy="2570205"/>
-          </a:xfrm>
-          <a:prstGeom prst="rect">
-            <a:avLst/>
-          </a:prstGeom>
-          <a:solidFill>
-            <a:schemeClr val="accent2"/>
-          </a:solidFill>
-          <a:ln>
-            <a:noFill/>
-          </a:ln>
-        </p:spPr>
-        <p:style>
-          <a:lnRef idx="2">
-            <a:schemeClr val="accent1">
-              <a:shade val="50000"/>
-            </a:schemeClr>
-          </a:lnRef>
-          <a:fillRef idx="1">
-            <a:schemeClr val="accent1"/>
-          </a:fillRef>
-          <a:effectRef idx="0">
-            <a:schemeClr val="accent1"/>
-          </a:effectRef>
-          <a:fontRef idx="minor">
-            <a:schemeClr val="lt1"/>
-          </a:fontRef>
-        </p:style>
-        <p:txBody>
-          <a:bodyPr rot="0" spcFirstLastPara="0" vertOverflow="overflow" horzOverflow="overflow" vert="horz" wrap="square" lIns="91440" tIns="45720" rIns="91440" bIns="45720" numCol="1" spcCol="0" rtlCol="0" fromWordArt="0" anchor="ctr" anchorCtr="0" forceAA="0" compatLnSpc="1">
-            <a:prstTxWarp prst="textNoShape">
-              <a:avLst/>
-            </a:prstTxWarp>
-            <a:noAutofit/>
-          </a:bodyPr>
-          <a:lstStyle/>
-          <a:p>
-            <a:pPr algn="ctr"/>
-            <a:endParaRPr lang="zh-CN" altLang="en-US">
-              <a:solidFill>
-                <a:schemeClr val="tx1"/>
-              </a:solidFill>
-            </a:endParaRPr>
-          </a:p>
-        </p:txBody>
-      </p:sp>
       <p:pic>
         <p:nvPicPr>
           <p:cNvPr id="3" name="图片 2"/>
@@ -6641,7 +6415,7 @@
 </p:sld>
 </file>
 
-<file path=ppt/slides/slide22.xml><?xml version="1.0" encoding="utf-8"?>
+<file path=ppt/slides/slide21.xml><?xml version="1.0" encoding="utf-8"?>
 <p:sld xmlns:a="http://schemas.openxmlformats.org/drawingml/2006/main" xmlns:r="http://schemas.openxmlformats.org/officeDocument/2006/relationships" xmlns:p="http://schemas.openxmlformats.org/presentationml/2006/main">
   <p:cSld>
     <p:spTree>
